--- a/assets/files/Tema6/reg_lin/6.1 Regresion.pptx
+++ b/assets/files/Tema6/reg_lin/6.1 Regresion.pptx
@@ -7789,6 +7789,53 @@
           </a:ln>
         </p:spPr>
       </p:pic>
+      <p:sp>
+        <p:nvSpPr>
+          <p:cNvPr id="101" name="Google Shape;101;p19"/>
+          <p:cNvSpPr/>
+          <p:nvPr/>
+        </p:nvSpPr>
+        <p:spPr>
+          <a:xfrm>
+            <a:off x="7604750" y="1777100"/>
+            <a:ext cx="384000" cy="1308000"/>
+          </a:xfrm>
+          <a:prstGeom prst="rect">
+            <a:avLst/>
+          </a:prstGeom>
+          <a:noFill/>
+          <a:ln cap="flat" cmpd="sng" w="9525">
+            <a:solidFill>
+              <a:srgbClr val="FF0000"/>
+            </a:solidFill>
+            <a:prstDash val="solid"/>
+            <a:round/>
+            <a:headEnd len="sm" w="sm" type="none"/>
+            <a:tailEnd len="sm" w="sm" type="none"/>
+          </a:ln>
+        </p:spPr>
+        <p:txBody>
+          <a:bodyPr anchorCtr="0" anchor="ctr" bIns="91425" lIns="91425" spcFirstLastPara="1" rIns="91425" wrap="square" tIns="91425">
+            <a:noAutofit/>
+          </a:bodyPr>
+          <a:lstStyle/>
+          <a:p>
+            <a:pPr indent="0" lvl="0" marL="0" rtl="0" algn="l">
+              <a:spcBef>
+                <a:spcPts val="0"/>
+              </a:spcBef>
+              <a:spcAft>
+                <a:spcPts val="0"/>
+              </a:spcAft>
+              <a:buNone/>
+            </a:pPr>
+            <a:r>
+              <a:t/>
+            </a:r>
+            <a:endParaRPr/>
+          </a:p>
+        </p:txBody>
+      </p:sp>
     </p:spTree>
   </p:cSld>
   <p:clrMapOvr>

--- a/assets/files/Tema6/reg_lin/6.1 Regresion.pptx
+++ b/assets/files/Tema6/reg_lin/6.1 Regresion.pptx
@@ -15,21 +15,22 @@
     <p:sldId id="260" r:id="rId10"/>
     <p:sldId id="261" r:id="rId11"/>
     <p:sldId id="262" r:id="rId12"/>
+    <p:sldId id="263" r:id="rId13"/>
   </p:sldIdLst>
   <p:sldSz cy="5143500" cx="9144000"/>
   <p:notesSz cx="6858000" cy="9144000"/>
   <p:embeddedFontLst>
     <p:embeddedFont>
       <p:font typeface="Amatic SC"/>
-      <p:regular r:id="rId13"/>
-      <p:bold r:id="rId14"/>
+      <p:regular r:id="rId14"/>
+      <p:bold r:id="rId15"/>
     </p:embeddedFont>
     <p:embeddedFont>
       <p:font typeface="Source Code Pro"/>
-      <p:regular r:id="rId15"/>
-      <p:bold r:id="rId16"/>
-      <p:italic r:id="rId17"/>
-      <p:boldItalic r:id="rId18"/>
+      <p:regular r:id="rId16"/>
+      <p:bold r:id="rId17"/>
+      <p:italic r:id="rId18"/>
+      <p:boldItalic r:id="rId19"/>
     </p:embeddedFont>
   </p:embeddedFontLst>
   <p:defaultTextStyle>
@@ -1022,7 +1023,7 @@
       </p:grpSpPr>
       <p:sp>
         <p:nvSpPr>
-          <p:cNvPr id="72" name="Google Shape;72;gb0b60e51a9_0_6:notes"/>
+          <p:cNvPr id="72" name="Google Shape;72;gb9980cdc41_0_12:notes"/>
           <p:cNvSpPr/>
           <p:nvPr>
             <p:ph idx="2" type="sldImg"/>
@@ -1057,7 +1058,7 @@
       </p:sp>
       <p:sp>
         <p:nvSpPr>
-          <p:cNvPr id="73" name="Google Shape;73;gb0b60e51a9_0_6:notes"/>
+          <p:cNvPr id="73" name="Google Shape;73;gb9980cdc41_0_12:notes"/>
           <p:cNvSpPr txBox="1"/>
           <p:nvPr>
             <p:ph idx="1" type="body"/>
@@ -1107,7 +1108,7 @@
   <p:cSld>
     <p:spTree>
       <p:nvGrpSpPr>
-        <p:cNvPr id="79" name="Shape 79"/>
+        <p:cNvPr id="78" name="Shape 78"/>
         <p:cNvGrpSpPr/>
         <p:nvPr/>
       </p:nvGrpSpPr>
@@ -1121,7 +1122,7 @@
       </p:grpSpPr>
       <p:sp>
         <p:nvSpPr>
-          <p:cNvPr id="80" name="Google Shape;80;gb04c3bac5e_0_53:notes"/>
+          <p:cNvPr id="79" name="Google Shape;79;gb9980cdc41_0_23:notes"/>
           <p:cNvSpPr/>
           <p:nvPr>
             <p:ph idx="2" type="sldImg"/>
@@ -1156,7 +1157,7 @@
       </p:sp>
       <p:sp>
         <p:nvSpPr>
-          <p:cNvPr id="81" name="Google Shape;81;gb04c3bac5e_0_53:notes"/>
+          <p:cNvPr id="80" name="Google Shape;80;gb9980cdc41_0_23:notes"/>
           <p:cNvSpPr txBox="1"/>
           <p:nvPr>
             <p:ph idx="1" type="body"/>
@@ -1206,7 +1207,7 @@
   <p:cSld>
     <p:spTree>
       <p:nvGrpSpPr>
-        <p:cNvPr id="85" name="Shape 85"/>
+        <p:cNvPr id="87" name="Shape 87"/>
         <p:cNvGrpSpPr/>
         <p:nvPr/>
       </p:nvGrpSpPr>
@@ -1220,7 +1221,7 @@
       </p:grpSpPr>
       <p:sp>
         <p:nvSpPr>
-          <p:cNvPr id="86" name="Google Shape;86;gb0b60e51a9_0_12:notes"/>
+          <p:cNvPr id="88" name="Google Shape;88;gb9980cdc41_0_5:notes"/>
           <p:cNvSpPr/>
           <p:nvPr>
             <p:ph idx="2" type="sldImg"/>
@@ -1255,7 +1256,7 @@
       </p:sp>
       <p:sp>
         <p:nvSpPr>
-          <p:cNvPr id="87" name="Google Shape;87;gb0b60e51a9_0_12:notes"/>
+          <p:cNvPr id="89" name="Google Shape;89;gb9980cdc41_0_5:notes"/>
           <p:cNvSpPr txBox="1"/>
           <p:nvPr>
             <p:ph idx="1" type="body"/>
@@ -1319,7 +1320,7 @@
       </p:grpSpPr>
       <p:sp>
         <p:nvSpPr>
-          <p:cNvPr id="94" name="Google Shape;94;gb0b60e51a9_0_21:notes"/>
+          <p:cNvPr id="94" name="Google Shape;94;gb0b60e51a9_0_12:notes"/>
           <p:cNvSpPr/>
           <p:nvPr>
             <p:ph idx="2" type="sldImg"/>
@@ -1354,7 +1355,106 @@
       </p:sp>
       <p:sp>
         <p:nvSpPr>
-          <p:cNvPr id="95" name="Google Shape;95;gb0b60e51a9_0_21:notes"/>
+          <p:cNvPr id="95" name="Google Shape;95;gb0b60e51a9_0_12:notes"/>
+          <p:cNvSpPr txBox="1"/>
+          <p:nvPr>
+            <p:ph idx="1" type="body"/>
+          </p:nvPr>
+        </p:nvSpPr>
+        <p:spPr>
+          <a:xfrm>
+            <a:off x="685800" y="4343400"/>
+            <a:ext cx="5486400" cy="4114800"/>
+          </a:xfrm>
+          <a:prstGeom prst="rect">
+            <a:avLst/>
+          </a:prstGeom>
+        </p:spPr>
+        <p:txBody>
+          <a:bodyPr anchorCtr="0" anchor="t" bIns="91425" lIns="91425" spcFirstLastPara="1" rIns="91425" wrap="square" tIns="91425">
+            <a:noAutofit/>
+          </a:bodyPr>
+          <a:lstStyle/>
+          <a:p>
+            <a:pPr indent="0" lvl="0" marL="0" rtl="0" algn="l">
+              <a:spcBef>
+                <a:spcPts val="0"/>
+              </a:spcBef>
+              <a:spcAft>
+                <a:spcPts val="0"/>
+              </a:spcAft>
+              <a:buNone/>
+            </a:pPr>
+            <a:r>
+              <a:t/>
+            </a:r>
+            <a:endParaRPr/>
+          </a:p>
+        </p:txBody>
+      </p:sp>
+    </p:spTree>
+  </p:cSld>
+  <p:clrMapOvr>
+    <a:masterClrMapping/>
+  </p:clrMapOvr>
+</p:notes>
+</file>
+
+<file path=ppt/notesSlides/notesSlide8.xml><?xml version="1.0" encoding="utf-8"?>
+<p:notes xmlns:a="http://schemas.openxmlformats.org/drawingml/2006/main" xmlns:r="http://schemas.openxmlformats.org/officeDocument/2006/relationships" xmlns:mc="http://schemas.openxmlformats.org/markup-compatibility/2006" xmlns:mv="urn:schemas-microsoft-com:mac:vml" xmlns:p="http://schemas.openxmlformats.org/presentationml/2006/main" xmlns:c="http://schemas.openxmlformats.org/drawingml/2006/chart" xmlns:dgm="http://schemas.openxmlformats.org/drawingml/2006/diagram" xmlns:o="urn:schemas-microsoft-com:office:office" xmlns:v="urn:schemas-microsoft-com:vml" xmlns:pvml="urn:schemas-microsoft-com:office:powerpoint" xmlns:com="http://schemas.openxmlformats.org/drawingml/2006/compatibility" xmlns:p14="http://schemas.microsoft.com/office/powerpoint/2010/main" xmlns:p15="http://schemas.microsoft.com/office/powerpoint/2012/main" xmlns:ahyp="http://schemas.microsoft.com/office/drawing/2018/hyperlinkcolor" showMasterPhAnim="0" showMasterSp="0">
+  <p:cSld>
+    <p:spTree>
+      <p:nvGrpSpPr>
+        <p:cNvPr id="101" name="Shape 101"/>
+        <p:cNvGrpSpPr/>
+        <p:nvPr/>
+      </p:nvGrpSpPr>
+      <p:grpSpPr>
+        <a:xfrm>
+          <a:off x="0" y="0"/>
+          <a:ext cx="0" cy="0"/>
+          <a:chOff x="0" y="0"/>
+          <a:chExt cx="0" cy="0"/>
+        </a:xfrm>
+      </p:grpSpPr>
+      <p:sp>
+        <p:nvSpPr>
+          <p:cNvPr id="102" name="Google Shape;102;gb0b60e51a9_0_21:notes"/>
+          <p:cNvSpPr/>
+          <p:nvPr>
+            <p:ph idx="2" type="sldImg"/>
+          </p:nvPr>
+        </p:nvSpPr>
+        <p:spPr>
+          <a:xfrm>
+            <a:off x="381300" y="685800"/>
+            <a:ext cx="6096000" cy="3429000"/>
+          </a:xfrm>
+          <a:custGeom>
+            <a:rect b="b" l="l" r="r" t="t"/>
+            <a:pathLst>
+              <a:path extrusionOk="0" h="120000" w="120000">
+                <a:moveTo>
+                  <a:pt x="0" y="0"/>
+                </a:moveTo>
+                <a:lnTo>
+                  <a:pt x="120000" y="0"/>
+                </a:lnTo>
+                <a:lnTo>
+                  <a:pt x="120000" y="120000"/>
+                </a:lnTo>
+                <a:lnTo>
+                  <a:pt x="0" y="120000"/>
+                </a:lnTo>
+                <a:close/>
+              </a:path>
+            </a:pathLst>
+          </a:custGeom>
+        </p:spPr>
+      </p:sp>
+      <p:sp>
+        <p:nvSpPr>
+          <p:cNvPr id="103" name="Google Shape;103;gb0b60e51a9_0_21:notes"/>
           <p:cNvSpPr txBox="1"/>
           <p:nvPr>
             <p:ph idx="1" type="body"/>
@@ -6842,7 +6942,7 @@
             </a:pPr>
             <a:r>
               <a:rPr lang="es"/>
-              <a:t>Fecha</a:t>
+              <a:t>Fecha: 01-febrero-21</a:t>
             </a:r>
             <a:endParaRPr/>
           </a:p>
@@ -6947,7 +7047,7 @@
             </a:pPr>
             <a:r>
               <a:rPr lang="es"/>
-              <a:t>La regresión se refiere a modelar iterativamente la relación entre variables usando una medida de error en las predicciones hechas por el modelo.</a:t>
+              <a:t>La regresión lineal es un análisis que evalúa si una o más variables predictoras explican la variable dependiente (criterio). </a:t>
             </a:r>
             <a:endParaRPr/>
           </a:p>
@@ -6963,7 +7063,7 @@
             </a:pPr>
             <a:r>
               <a:rPr lang="es"/>
-              <a:t>Una línea recta que se ajuste a ciertos datos es una regresión lineal**</a:t>
+              <a:t>“Una línea recta que se ajuste a ciertos datos es una regresión lineal”</a:t>
             </a:r>
             <a:endParaRPr/>
           </a:p>
@@ -7197,52 +7297,12 @@
           <p:cNvPr id="75" name="Google Shape;75;p16"/>
           <p:cNvSpPr txBox="1"/>
           <p:nvPr>
-            <p:ph type="title"/>
-          </p:nvPr>
-        </p:nvSpPr>
-        <p:spPr>
-          <a:xfrm>
-            <a:off x="311700" y="292850"/>
-            <a:ext cx="8520600" cy="801000"/>
-          </a:xfrm>
-          <a:prstGeom prst="rect">
-            <a:avLst/>
-          </a:prstGeom>
-        </p:spPr>
-        <p:txBody>
-          <a:bodyPr anchorCtr="0" anchor="t" bIns="91425" lIns="91425" spcFirstLastPara="1" rIns="91425" wrap="square" tIns="91425">
-            <a:noAutofit/>
-          </a:bodyPr>
-          <a:lstStyle/>
-          <a:p>
-            <a:pPr indent="0" lvl="0" marL="0" rtl="0" algn="l">
-              <a:spcBef>
-                <a:spcPts val="0"/>
-              </a:spcBef>
-              <a:spcAft>
-                <a:spcPts val="0"/>
-              </a:spcAft>
-              <a:buNone/>
-            </a:pPr>
-            <a:r>
-              <a:rPr lang="es"/>
-              <a:t>Ejemplo de una Regresión lineal simple</a:t>
-            </a:r>
-            <a:endParaRPr/>
-          </a:p>
-        </p:txBody>
-      </p:sp>
-      <p:sp>
-        <p:nvSpPr>
-          <p:cNvPr id="76" name="Google Shape;76;p16"/>
-          <p:cNvSpPr txBox="1"/>
-          <p:nvPr>
             <p:ph idx="1" type="body"/>
           </p:nvPr>
         </p:nvSpPr>
         <p:spPr>
           <a:xfrm>
-            <a:off x="311700" y="1228675"/>
+            <a:off x="311700" y="324550"/>
             <a:ext cx="8520600" cy="3340200"/>
           </a:xfrm>
           <a:prstGeom prst="rect">
@@ -7255,18 +7315,118 @@
           </a:bodyPr>
           <a:lstStyle/>
           <a:p>
-            <a:pPr indent="0" lvl="0" marL="0" rtl="0" algn="l">
-              <a:spcBef>
-                <a:spcPts val="0"/>
-              </a:spcBef>
-              <a:spcAft>
-                <a:spcPts val="1600"/>
+            <a:pPr indent="0" lvl="0" marL="0" rtl="0" algn="just">
+              <a:spcBef>
+                <a:spcPts val="0"/>
+              </a:spcBef>
+              <a:spcAft>
+                <a:spcPts val="0"/>
               </a:spcAft>
               <a:buNone/>
             </a:pPr>
             <a:r>
               <a:rPr lang="es"/>
-              <a:t>Dataset temperatura promedio anual de la Ciudad de  Nueva York</a:t>
+              <a:t>La regresión tiene cinco supuestos:</a:t>
+            </a:r>
+            <a:endParaRPr/>
+          </a:p>
+          <a:p>
+            <a:pPr indent="-342900" lvl="0" marL="457200" rtl="0" algn="just">
+              <a:spcBef>
+                <a:spcPts val="1600"/>
+              </a:spcBef>
+              <a:spcAft>
+                <a:spcPts val="0"/>
+              </a:spcAft>
+              <a:buSzPts val="1800"/>
+              <a:buChar char="●"/>
+            </a:pPr>
+            <a:r>
+              <a:rPr lang="es"/>
+              <a:t>Relación lineal</a:t>
+            </a:r>
+            <a:endParaRPr/>
+          </a:p>
+          <a:p>
+            <a:pPr indent="-342900" lvl="0" marL="457200" rtl="0" algn="just">
+              <a:spcBef>
+                <a:spcPts val="0"/>
+              </a:spcBef>
+              <a:spcAft>
+                <a:spcPts val="0"/>
+              </a:spcAft>
+              <a:buSzPts val="1800"/>
+              <a:buChar char="●"/>
+            </a:pPr>
+            <a:r>
+              <a:rPr lang="es"/>
+              <a:t>Normalidad multivariante </a:t>
+            </a:r>
+            <a:endParaRPr/>
+          </a:p>
+          <a:p>
+            <a:pPr indent="-342900" lvl="0" marL="457200" rtl="0" algn="just">
+              <a:spcBef>
+                <a:spcPts val="0"/>
+              </a:spcBef>
+              <a:spcAft>
+                <a:spcPts val="0"/>
+              </a:spcAft>
+              <a:buSzPts val="1800"/>
+              <a:buChar char="●"/>
+            </a:pPr>
+            <a:r>
+              <a:rPr lang="es"/>
+              <a:t>Poca o nula multicolinealidad (variables independientes están muy correlacionadas entre sí)</a:t>
+            </a:r>
+            <a:endParaRPr/>
+          </a:p>
+          <a:p>
+            <a:pPr indent="-342900" lvl="0" marL="457200" rtl="0" algn="just">
+              <a:spcBef>
+                <a:spcPts val="0"/>
+              </a:spcBef>
+              <a:spcAft>
+                <a:spcPts val="0"/>
+              </a:spcAft>
+              <a:buSzPts val="1800"/>
+              <a:buChar char="●"/>
+            </a:pPr>
+            <a:r>
+              <a:rPr lang="es"/>
+              <a:t>Sin autocorrelación </a:t>
+            </a:r>
+            <a:endParaRPr/>
+          </a:p>
+          <a:p>
+            <a:pPr indent="-342900" lvl="0" marL="457200" rtl="0" algn="just">
+              <a:spcBef>
+                <a:spcPts val="0"/>
+              </a:spcBef>
+              <a:spcAft>
+                <a:spcPts val="0"/>
+              </a:spcAft>
+              <a:buSzPts val="1800"/>
+              <a:buChar char="●"/>
+            </a:pPr>
+            <a:r>
+              <a:rPr lang="es"/>
+              <a:t>Homocedasticidad</a:t>
+            </a:r>
+            <a:endParaRPr/>
+          </a:p>
+          <a:p>
+            <a:pPr indent="0" lvl="0" marL="0" rtl="0" algn="just">
+              <a:spcBef>
+                <a:spcPts val="1600"/>
+              </a:spcBef>
+              <a:spcAft>
+                <a:spcPts val="1600"/>
+              </a:spcAft>
+              <a:buNone/>
+            </a:pPr>
+            <a:r>
+              <a:t/>
             </a:r>
             <a:endParaRPr/>
           </a:p>
@@ -7274,7 +7434,7 @@
       </p:sp>
       <p:pic>
         <p:nvPicPr>
-          <p:cNvPr id="77" name="Google Shape;77;p16"/>
+          <p:cNvPr id="76" name="Google Shape;76;p16"/>
           <p:cNvPicPr preferRelativeResize="0"/>
           <p:nvPr/>
         </p:nvPicPr>
@@ -7288,8 +7448,8 @@
         </p:blipFill>
         <p:spPr>
           <a:xfrm>
-            <a:off x="1129575" y="1737925"/>
-            <a:ext cx="2115675" cy="3254875"/>
+            <a:off x="552523" y="3059273"/>
+            <a:ext cx="4193325" cy="1820675"/>
           </a:xfrm>
           <a:prstGeom prst="rect">
             <a:avLst/>
@@ -7302,7 +7462,7 @@
       </p:pic>
       <p:pic>
         <p:nvPicPr>
-          <p:cNvPr id="78" name="Google Shape;78;p16"/>
+          <p:cNvPr id="77" name="Google Shape;77;p16"/>
           <p:cNvPicPr preferRelativeResize="0"/>
           <p:nvPr/>
         </p:nvPicPr>
@@ -7316,8 +7476,8 @@
         </p:blipFill>
         <p:spPr>
           <a:xfrm>
-            <a:off x="3885548" y="2007450"/>
-            <a:ext cx="4822126" cy="2985350"/>
+            <a:off x="5254050" y="2813025"/>
+            <a:ext cx="2562375" cy="2107125"/>
           </a:xfrm>
           <a:prstGeom prst="rect">
             <a:avLst/>
@@ -7341,7 +7501,7 @@
   <p:cSld>
     <p:spTree>
       <p:nvGrpSpPr>
-        <p:cNvPr id="82" name="Shape 82"/>
+        <p:cNvPr id="81" name="Shape 81"/>
         <p:cNvGrpSpPr/>
         <p:nvPr/>
       </p:nvGrpSpPr>
@@ -7355,7 +7515,7 @@
       </p:grpSpPr>
       <p:sp>
         <p:nvSpPr>
-          <p:cNvPr id="83" name="Google Shape;83;p17"/>
+          <p:cNvPr id="82" name="Google Shape;82;p17"/>
           <p:cNvSpPr txBox="1"/>
           <p:nvPr>
             <p:ph type="title"/>
@@ -7386,8 +7546,7 @@
               <a:buNone/>
             </a:pPr>
             <a:r>
-              <a:rPr lang="es"/>
-              <a:t>Regresión lineal múltiple</a:t>
+              <a:t/>
             </a:r>
             <a:endParaRPr/>
           </a:p>
@@ -7395,7 +7554,7 @@
       </p:sp>
       <p:sp>
         <p:nvSpPr>
-          <p:cNvPr id="84" name="Google Shape;84;p17"/>
+          <p:cNvPr id="83" name="Google Shape;83;p17"/>
           <p:cNvSpPr txBox="1"/>
           <p:nvPr>
             <p:ph idx="1" type="body"/>
@@ -7426,13 +7585,96 @@
               <a:buNone/>
             </a:pPr>
             <a:r>
-              <a:rPr lang="es"/>
-              <a:t>El ejemplo anterior es un ejemplo de un dataset sencillo, sin embargo, en el mundo real los conjuntos de datos suelen ser de una complejidad mayor, tanto en cantidad de datos como en sus características. </a:t>
+              <a:t/>
             </a:r>
             <a:endParaRPr/>
           </a:p>
         </p:txBody>
       </p:sp>
+      <p:pic>
+        <p:nvPicPr>
+          <p:cNvPr id="84" name="Google Shape;84;p17"/>
+          <p:cNvPicPr preferRelativeResize="0"/>
+          <p:nvPr/>
+        </p:nvPicPr>
+        <p:blipFill>
+          <a:blip r:embed="rId3">
+            <a:alphaModFix/>
+          </a:blip>
+          <a:stretch>
+            <a:fillRect/>
+          </a:stretch>
+        </p:blipFill>
+        <p:spPr>
+          <a:xfrm>
+            <a:off x="382013" y="292850"/>
+            <a:ext cx="5172075" cy="2781300"/>
+          </a:xfrm>
+          <a:prstGeom prst="rect">
+            <a:avLst/>
+          </a:prstGeom>
+          <a:noFill/>
+          <a:ln>
+            <a:noFill/>
+          </a:ln>
+        </p:spPr>
+      </p:pic>
+      <p:pic>
+        <p:nvPicPr>
+          <p:cNvPr id="85" name="Google Shape;85;p17"/>
+          <p:cNvPicPr preferRelativeResize="0"/>
+          <p:nvPr/>
+        </p:nvPicPr>
+        <p:blipFill>
+          <a:blip r:embed="rId4">
+            <a:alphaModFix/>
+          </a:blip>
+          <a:stretch>
+            <a:fillRect/>
+          </a:stretch>
+        </p:blipFill>
+        <p:spPr>
+          <a:xfrm>
+            <a:off x="5460450" y="2822425"/>
+            <a:ext cx="3371850" cy="2190750"/>
+          </a:xfrm>
+          <a:prstGeom prst="rect">
+            <a:avLst/>
+          </a:prstGeom>
+          <a:noFill/>
+          <a:ln>
+            <a:noFill/>
+          </a:ln>
+        </p:spPr>
+      </p:pic>
+      <p:pic>
+        <p:nvPicPr>
+          <p:cNvPr id="86" name="Google Shape;86;p17"/>
+          <p:cNvPicPr preferRelativeResize="0"/>
+          <p:nvPr/>
+        </p:nvPicPr>
+        <p:blipFill>
+          <a:blip r:embed="rId5">
+            <a:alphaModFix/>
+          </a:blip>
+          <a:stretch>
+            <a:fillRect/>
+          </a:stretch>
+        </p:blipFill>
+        <p:spPr>
+          <a:xfrm>
+            <a:off x="474450" y="3309297"/>
+            <a:ext cx="4097550" cy="1703875"/>
+          </a:xfrm>
+          <a:prstGeom prst="rect">
+            <a:avLst/>
+          </a:prstGeom>
+          <a:noFill/>
+          <a:ln>
+            <a:noFill/>
+          </a:ln>
+        </p:spPr>
+      </p:pic>
     </p:spTree>
   </p:cSld>
   <p:clrMapOvr>
@@ -7446,7 +7688,7 @@
   <p:cSld>
     <p:spTree>
       <p:nvGrpSpPr>
-        <p:cNvPr id="88" name="Shape 88"/>
+        <p:cNvPr id="90" name="Shape 90"/>
         <p:cNvGrpSpPr/>
         <p:nvPr/>
       </p:nvGrpSpPr>
@@ -7460,7 +7702,7 @@
       </p:grpSpPr>
       <p:sp>
         <p:nvSpPr>
-          <p:cNvPr id="89" name="Google Shape;89;p18"/>
+          <p:cNvPr id="91" name="Google Shape;91;p18"/>
           <p:cNvSpPr txBox="1"/>
           <p:nvPr>
             <p:ph type="title"/>
@@ -7492,7 +7734,7 @@
             </a:pPr>
             <a:r>
               <a:rPr lang="es"/>
-              <a:t>Ejemplo regresión lineal múltiple</a:t>
+              <a:t>Regresión lineal múltiple</a:t>
             </a:r>
             <a:endParaRPr/>
           </a:p>
@@ -7500,7 +7742,7 @@
       </p:sp>
       <p:sp>
         <p:nvSpPr>
-          <p:cNvPr id="90" name="Google Shape;90;p18"/>
+          <p:cNvPr id="92" name="Google Shape;92;p18"/>
           <p:cNvSpPr txBox="1"/>
           <p:nvPr>
             <p:ph idx="1" type="body"/>
@@ -7521,7 +7763,7 @@
           </a:bodyPr>
           <a:lstStyle/>
           <a:p>
-            <a:pPr indent="0" lvl="0" marL="0" rtl="0" algn="l">
+            <a:pPr indent="0" lvl="0" marL="0" rtl="0" algn="just">
               <a:spcBef>
                 <a:spcPts val="0"/>
               </a:spcBef>
@@ -7532,17 +7774,17 @@
             </a:pPr>
             <a:r>
               <a:rPr lang="es"/>
-              <a:t>El concreto es el material más importante en la ingeniería civil. La resistencia a la compresión del concreto es una función altamente no lineal de la edad y los ingredientes que se usaron.</a:t>
+              <a:t>Muchas aplicaciones del análisis de regresión involucran situaciones en las que hay más de una variable regresora.</a:t>
             </a:r>
             <a:endParaRPr/>
           </a:p>
           <a:p>
-            <a:pPr indent="0" lvl="0" marL="0" rtl="0" algn="l">
+            <a:pPr indent="0" lvl="0" marL="0" rtl="0" algn="just">
               <a:spcBef>
                 <a:spcPts val="1600"/>
               </a:spcBef>
               <a:spcAft>
-                <a:spcPts val="1600"/>
+                <a:spcPts val="0"/>
               </a:spcAft>
               <a:buNone/>
             </a:pPr>
@@ -7551,73 +7793,44 @@
             </a:r>
             <a:endParaRPr/>
           </a:p>
-        </p:txBody>
-      </p:sp>
-      <p:pic>
-        <p:nvPicPr>
-          <p:cNvPr id="91" name="Google Shape;91;p18"/>
-          <p:cNvPicPr preferRelativeResize="0"/>
-          <p:nvPr/>
-        </p:nvPicPr>
-        <p:blipFill>
-          <a:blip r:embed="rId3">
-            <a:alphaModFix/>
-          </a:blip>
-          <a:stretch>
-            <a:fillRect/>
-          </a:stretch>
-        </p:blipFill>
-        <p:spPr>
-          <a:xfrm>
-            <a:off x="0" y="2943440"/>
-            <a:ext cx="9144000" cy="1651819"/>
-          </a:xfrm>
-          <a:prstGeom prst="rect">
-            <a:avLst/>
-          </a:prstGeom>
-          <a:noFill/>
-          <a:ln>
-            <a:noFill/>
-          </a:ln>
-        </p:spPr>
-      </p:pic>
-      <p:sp>
-        <p:nvSpPr>
-          <p:cNvPr id="92" name="Google Shape;92;p18"/>
-          <p:cNvSpPr/>
-          <p:nvPr/>
-        </p:nvSpPr>
-        <p:spPr>
-          <a:xfrm>
-            <a:off x="8318000" y="2943450"/>
-            <a:ext cx="825900" cy="1651800"/>
-          </a:xfrm>
-          <a:prstGeom prst="rect">
-            <a:avLst/>
-          </a:prstGeom>
-          <a:noFill/>
-          <a:ln cap="flat" cmpd="sng" w="9525">
-            <a:solidFill>
-              <a:srgbClr val="FF0000"/>
-            </a:solidFill>
-            <a:prstDash val="solid"/>
-            <a:round/>
-            <a:headEnd len="sm" w="sm" type="none"/>
-            <a:tailEnd len="sm" w="sm" type="none"/>
-          </a:ln>
-        </p:spPr>
-        <p:txBody>
-          <a:bodyPr anchorCtr="0" anchor="ctr" bIns="91425" lIns="91425" spcFirstLastPara="1" rIns="91425" wrap="square" tIns="91425">
-            <a:noAutofit/>
-          </a:bodyPr>
-          <a:lstStyle/>
+          <a:p>
+            <a:pPr indent="0" lvl="0" marL="0" rtl="0" algn="just">
+              <a:spcBef>
+                <a:spcPts val="1600"/>
+              </a:spcBef>
+              <a:spcAft>
+                <a:spcPts val="0"/>
+              </a:spcAft>
+              <a:buNone/>
+            </a:pPr>
+            <a:r>
+              <a:rPr lang="es"/>
+              <a:t>Un modelo de regresión que contiene más de una variable regresora se denomina modelo de regresión múltiple.</a:t>
+            </a:r>
+            <a:endParaRPr/>
+          </a:p>
+          <a:p>
+            <a:pPr indent="0" lvl="0" marL="0" rtl="0" algn="just">
+              <a:spcBef>
+                <a:spcPts val="1600"/>
+              </a:spcBef>
+              <a:spcAft>
+                <a:spcPts val="0"/>
+              </a:spcAft>
+              <a:buNone/>
+            </a:pPr>
+            <a:r>
+              <a:t/>
+            </a:r>
+            <a:endParaRPr/>
+          </a:p>
           <a:p>
             <a:pPr indent="0" lvl="0" marL="0" rtl="0" algn="l">
               <a:spcBef>
-                <a:spcPts val="0"/>
-              </a:spcBef>
-              <a:spcAft>
-                <a:spcPts val="0"/>
+                <a:spcPts val="1600"/>
+              </a:spcBef>
+              <a:spcAft>
+                <a:spcPts val="1600"/>
               </a:spcAft>
               <a:buNone/>
             </a:pPr>
@@ -7687,7 +7900,7 @@
             </a:pPr>
             <a:r>
               <a:rPr lang="es"/>
-              <a:t>Ejemplo de regresión lineal múltiple, SERIE DE TIEMPO</a:t>
+              <a:t>Ejemplo regresión lineal múltiple</a:t>
             </a:r>
             <a:endParaRPr/>
           </a:p>
@@ -7721,6 +7934,201 @@
                 <a:spcPts val="0"/>
               </a:spcBef>
               <a:spcAft>
+                <a:spcPts val="0"/>
+              </a:spcAft>
+              <a:buNone/>
+            </a:pPr>
+            <a:r>
+              <a:rPr lang="es"/>
+              <a:t>El concreto es el material más importante en la ingeniería civil. La resistencia a la compresión del concreto es una función altamente no lineal de la edad y los ingredientes que se usaron.</a:t>
+            </a:r>
+            <a:endParaRPr/>
+          </a:p>
+          <a:p>
+            <a:pPr indent="0" lvl="0" marL="0" rtl="0" algn="l">
+              <a:spcBef>
+                <a:spcPts val="1600"/>
+              </a:spcBef>
+              <a:spcAft>
+                <a:spcPts val="1600"/>
+              </a:spcAft>
+              <a:buNone/>
+            </a:pPr>
+            <a:r>
+              <a:t/>
+            </a:r>
+            <a:endParaRPr/>
+          </a:p>
+        </p:txBody>
+      </p:sp>
+      <p:pic>
+        <p:nvPicPr>
+          <p:cNvPr id="99" name="Google Shape;99;p19"/>
+          <p:cNvPicPr preferRelativeResize="0"/>
+          <p:nvPr/>
+        </p:nvPicPr>
+        <p:blipFill>
+          <a:blip r:embed="rId3">
+            <a:alphaModFix/>
+          </a:blip>
+          <a:stretch>
+            <a:fillRect/>
+          </a:stretch>
+        </p:blipFill>
+        <p:spPr>
+          <a:xfrm>
+            <a:off x="0" y="2943440"/>
+            <a:ext cx="9144000" cy="1651819"/>
+          </a:xfrm>
+          <a:prstGeom prst="rect">
+            <a:avLst/>
+          </a:prstGeom>
+          <a:noFill/>
+          <a:ln>
+            <a:noFill/>
+          </a:ln>
+        </p:spPr>
+      </p:pic>
+      <p:sp>
+        <p:nvSpPr>
+          <p:cNvPr id="100" name="Google Shape;100;p19"/>
+          <p:cNvSpPr/>
+          <p:nvPr/>
+        </p:nvSpPr>
+        <p:spPr>
+          <a:xfrm>
+            <a:off x="8318000" y="2943450"/>
+            <a:ext cx="825900" cy="1651800"/>
+          </a:xfrm>
+          <a:prstGeom prst="rect">
+            <a:avLst/>
+          </a:prstGeom>
+          <a:noFill/>
+          <a:ln cap="flat" cmpd="sng" w="9525">
+            <a:solidFill>
+              <a:srgbClr val="FF0000"/>
+            </a:solidFill>
+            <a:prstDash val="solid"/>
+            <a:round/>
+            <a:headEnd len="sm" w="sm" type="none"/>
+            <a:tailEnd len="sm" w="sm" type="none"/>
+          </a:ln>
+        </p:spPr>
+        <p:txBody>
+          <a:bodyPr anchorCtr="0" anchor="ctr" bIns="91425" lIns="91425" spcFirstLastPara="1" rIns="91425" wrap="square" tIns="91425">
+            <a:noAutofit/>
+          </a:bodyPr>
+          <a:lstStyle/>
+          <a:p>
+            <a:pPr indent="0" lvl="0" marL="0" rtl="0" algn="l">
+              <a:spcBef>
+                <a:spcPts val="0"/>
+              </a:spcBef>
+              <a:spcAft>
+                <a:spcPts val="0"/>
+              </a:spcAft>
+              <a:buNone/>
+            </a:pPr>
+            <a:r>
+              <a:t/>
+            </a:r>
+            <a:endParaRPr/>
+          </a:p>
+        </p:txBody>
+      </p:sp>
+    </p:spTree>
+  </p:cSld>
+  <p:clrMapOvr>
+    <a:masterClrMapping/>
+  </p:clrMapOvr>
+</p:sld>
+</file>
+
+<file path=ppt/slides/slide8.xml><?xml version="1.0" encoding="utf-8"?>
+<p:sld xmlns:a="http://schemas.openxmlformats.org/drawingml/2006/main" xmlns:r="http://schemas.openxmlformats.org/officeDocument/2006/relationships" xmlns:mc="http://schemas.openxmlformats.org/markup-compatibility/2006" xmlns:mv="urn:schemas-microsoft-com:mac:vml" xmlns:p="http://schemas.openxmlformats.org/presentationml/2006/main" xmlns:c="http://schemas.openxmlformats.org/drawingml/2006/chart" xmlns:dgm="http://schemas.openxmlformats.org/drawingml/2006/diagram" xmlns:o="urn:schemas-microsoft-com:office:office" xmlns:v="urn:schemas-microsoft-com:vml" xmlns:pvml="urn:schemas-microsoft-com:office:powerpoint" xmlns:com="http://schemas.openxmlformats.org/drawingml/2006/compatibility" xmlns:p14="http://schemas.microsoft.com/office/powerpoint/2010/main" xmlns:p15="http://schemas.microsoft.com/office/powerpoint/2012/main" xmlns:ahyp="http://schemas.microsoft.com/office/drawing/2018/hyperlinkcolor">
+  <p:cSld>
+    <p:spTree>
+      <p:nvGrpSpPr>
+        <p:cNvPr id="104" name="Shape 104"/>
+        <p:cNvGrpSpPr/>
+        <p:nvPr/>
+      </p:nvGrpSpPr>
+      <p:grpSpPr>
+        <a:xfrm>
+          <a:off x="0" y="0"/>
+          <a:ext cx="0" cy="0"/>
+          <a:chOff x="0" y="0"/>
+          <a:chExt cx="0" cy="0"/>
+        </a:xfrm>
+      </p:grpSpPr>
+      <p:sp>
+        <p:nvSpPr>
+          <p:cNvPr id="105" name="Google Shape;105;p20"/>
+          <p:cNvSpPr txBox="1"/>
+          <p:nvPr>
+            <p:ph type="title"/>
+          </p:nvPr>
+        </p:nvSpPr>
+        <p:spPr>
+          <a:xfrm>
+            <a:off x="311700" y="292850"/>
+            <a:ext cx="8520600" cy="801000"/>
+          </a:xfrm>
+          <a:prstGeom prst="rect">
+            <a:avLst/>
+          </a:prstGeom>
+        </p:spPr>
+        <p:txBody>
+          <a:bodyPr anchorCtr="0" anchor="t" bIns="91425" lIns="91425" spcFirstLastPara="1" rIns="91425" wrap="square" tIns="91425">
+            <a:noAutofit/>
+          </a:bodyPr>
+          <a:lstStyle/>
+          <a:p>
+            <a:pPr indent="0" lvl="0" marL="0" rtl="0" algn="l">
+              <a:spcBef>
+                <a:spcPts val="0"/>
+              </a:spcBef>
+              <a:spcAft>
+                <a:spcPts val="0"/>
+              </a:spcAft>
+              <a:buNone/>
+            </a:pPr>
+            <a:r>
+              <a:rPr lang="es"/>
+              <a:t>Ejemplo de regresión lineal múltiple, SERIE DE TIEMPO</a:t>
+            </a:r>
+            <a:endParaRPr/>
+          </a:p>
+        </p:txBody>
+      </p:sp>
+      <p:sp>
+        <p:nvSpPr>
+          <p:cNvPr id="106" name="Google Shape;106;p20"/>
+          <p:cNvSpPr txBox="1"/>
+          <p:nvPr>
+            <p:ph idx="1" type="body"/>
+          </p:nvPr>
+        </p:nvSpPr>
+        <p:spPr>
+          <a:xfrm>
+            <a:off x="311700" y="1228675"/>
+            <a:ext cx="8520600" cy="3340200"/>
+          </a:xfrm>
+          <a:prstGeom prst="rect">
+            <a:avLst/>
+          </a:prstGeom>
+        </p:spPr>
+        <p:txBody>
+          <a:bodyPr anchorCtr="0" anchor="t" bIns="91425" lIns="91425" spcFirstLastPara="1" rIns="91425" wrap="square" tIns="91425">
+            <a:noAutofit/>
+          </a:bodyPr>
+          <a:lstStyle/>
+          <a:p>
+            <a:pPr indent="0" lvl="0" marL="0" rtl="0" algn="l">
+              <a:spcBef>
+                <a:spcPts val="0"/>
+              </a:spcBef>
+              <a:spcAft>
                 <a:spcPts val="1600"/>
               </a:spcAft>
               <a:buNone/>
@@ -7735,7 +8143,7 @@
       </p:sp>
       <p:pic>
         <p:nvPicPr>
-          <p:cNvPr id="99" name="Google Shape;99;p19"/>
+          <p:cNvPr id="107" name="Google Shape;107;p20"/>
           <p:cNvPicPr preferRelativeResize="0"/>
           <p:nvPr/>
         </p:nvPicPr>
@@ -7763,7 +8171,7 @@
       </p:pic>
       <p:pic>
         <p:nvPicPr>
-          <p:cNvPr id="100" name="Google Shape;100;p19"/>
+          <p:cNvPr id="108" name="Google Shape;108;p20"/>
           <p:cNvPicPr preferRelativeResize="0"/>
           <p:nvPr/>
         </p:nvPicPr>
@@ -7791,7 +8199,7 @@
       </p:pic>
       <p:sp>
         <p:nvSpPr>
-          <p:cNvPr id="101" name="Google Shape;101;p19"/>
+          <p:cNvPr id="109" name="Google Shape;109;p20"/>
           <p:cNvSpPr/>
           <p:nvPr/>
         </p:nvSpPr>
